--- a/201411268문서.pptx
+++ b/201411268문서.pptx
@@ -5,7 +5,7 @@
     <p:sldMasterId id="2147483648" r:id="rId1"/>
   </p:sldMasterIdLst>
   <p:notesMasterIdLst>
-    <p:notesMasterId r:id="rId17"/>
+    <p:notesMasterId r:id="rId18"/>
   </p:notesMasterIdLst>
   <p:sldIdLst>
     <p:sldId id="256" r:id="rId2"/>
@@ -14,15 +14,16 @@
     <p:sldId id="265" r:id="rId5"/>
     <p:sldId id="269" r:id="rId6"/>
     <p:sldId id="281" r:id="rId7"/>
-    <p:sldId id="264" r:id="rId8"/>
-    <p:sldId id="273" r:id="rId9"/>
-    <p:sldId id="274" r:id="rId10"/>
-    <p:sldId id="275" r:id="rId11"/>
-    <p:sldId id="276" r:id="rId12"/>
-    <p:sldId id="277" r:id="rId13"/>
-    <p:sldId id="278" r:id="rId14"/>
-    <p:sldId id="279" r:id="rId15"/>
-    <p:sldId id="280" r:id="rId16"/>
+    <p:sldId id="282" r:id="rId8"/>
+    <p:sldId id="264" r:id="rId9"/>
+    <p:sldId id="273" r:id="rId10"/>
+    <p:sldId id="274" r:id="rId11"/>
+    <p:sldId id="275" r:id="rId12"/>
+    <p:sldId id="276" r:id="rId13"/>
+    <p:sldId id="277" r:id="rId14"/>
+    <p:sldId id="278" r:id="rId15"/>
+    <p:sldId id="279" r:id="rId16"/>
+    <p:sldId id="280" r:id="rId17"/>
   </p:sldIdLst>
   <p:sldSz cx="9144000" cy="6858000" type="screen4x3"/>
   <p:notesSz cx="6858000" cy="9144000"/>
@@ -1370,7 +1371,7 @@
       </p:sp>
       <p:pic>
         <p:nvPicPr>
-          <p:cNvPr id="8" name="그림 7" descr="write1.png"/>
+          <p:cNvPr id="6" name="그림 5" descr="writet.png"/>
           <p:cNvPicPr>
             <a:picLocks noChangeAspect="1"/>
           </p:cNvPicPr>
@@ -1384,8 +1385,8 @@
         </p:blipFill>
         <p:spPr>
           <a:xfrm>
-            <a:off x="571472" y="1571612"/>
-            <a:ext cx="7209838" cy="4714908"/>
+            <a:off x="500034" y="1785926"/>
+            <a:ext cx="3267531" cy="4563112"/>
           </a:xfrm>
           <a:prstGeom prst="rect">
             <a:avLst/>
@@ -1394,7 +1395,7 @@
       </p:pic>
       <p:pic>
         <p:nvPicPr>
-          <p:cNvPr id="9" name="그림 8" descr="fire1.png"/>
+          <p:cNvPr id="7" name="그림 6" descr="db1.png"/>
           <p:cNvPicPr>
             <a:picLocks noChangeAspect="1"/>
           </p:cNvPicPr>
@@ -1408,14 +1409,86 @@
         </p:blipFill>
         <p:spPr>
           <a:xfrm>
-            <a:off x="4714876" y="4357694"/>
-            <a:ext cx="3867690" cy="1495634"/>
+            <a:off x="5072066" y="2285992"/>
+            <a:ext cx="3877216" cy="3534269"/>
           </a:xfrm>
           <a:prstGeom prst="rect">
             <a:avLst/>
           </a:prstGeom>
         </p:spPr>
       </p:pic>
+      <p:sp>
+        <p:nvSpPr>
+          <p:cNvPr id="11" name="TextBox 10"/>
+          <p:cNvSpPr txBox="1"/>
+          <p:nvPr/>
+        </p:nvSpPr>
+        <p:spPr>
+          <a:xfrm>
+            <a:off x="571472" y="1285860"/>
+            <a:ext cx="4946547" cy="369332"/>
+          </a:xfrm>
+          <a:prstGeom prst="rect">
+            <a:avLst/>
+          </a:prstGeom>
+          <a:noFill/>
+        </p:spPr>
+        <p:txBody>
+          <a:bodyPr wrap="none" rtlCol="0">
+            <a:spAutoFit/>
+          </a:bodyPr>
+          <a:lstStyle/>
+          <a:p>
+            <a:r>
+              <a:rPr lang="en-US" altLang="ko-KR" dirty="0" smtClean="0"/>
+              <a:t>Editor</a:t>
+            </a:r>
+            <a:r>
+              <a:rPr lang="ko-KR" altLang="en-US" dirty="0" smtClean="0"/>
+              <a:t>의 </a:t>
+            </a:r>
+            <a:r>
+              <a:rPr lang="en-US" altLang="ko-KR" dirty="0" smtClean="0"/>
+              <a:t>write</a:t>
+            </a:r>
+            <a:r>
+              <a:rPr lang="ko-KR" altLang="en-US" dirty="0" smtClean="0"/>
+              <a:t>버튼을 눌렀을 때 다이어리 저장</a:t>
+            </a:r>
+            <a:endParaRPr lang="ko-KR" altLang="en-US" dirty="0"/>
+          </a:p>
+        </p:txBody>
+      </p:sp>
+      <p:sp>
+        <p:nvSpPr>
+          <p:cNvPr id="12" name="TextBox 11"/>
+          <p:cNvSpPr txBox="1"/>
+          <p:nvPr/>
+        </p:nvSpPr>
+        <p:spPr>
+          <a:xfrm>
+            <a:off x="4286248" y="3429000"/>
+            <a:ext cx="1071570" cy="461665"/>
+          </a:xfrm>
+          <a:prstGeom prst="rect">
+            <a:avLst/>
+          </a:prstGeom>
+          <a:noFill/>
+        </p:spPr>
+        <p:txBody>
+          <a:bodyPr wrap="square" rtlCol="0">
+            <a:spAutoFit/>
+          </a:bodyPr>
+          <a:lstStyle/>
+          <a:p>
+            <a:r>
+              <a:rPr lang="en-US" altLang="ko-KR" sz="2400" dirty="0" smtClean="0"/>
+              <a:t>&gt;&gt;</a:t>
+            </a:r>
+            <a:endParaRPr lang="ko-KR" altLang="en-US" sz="2400" dirty="0"/>
+          </a:p>
+        </p:txBody>
+      </p:sp>
     </p:spTree>
   </p:cSld>
   <p:clrMapOvr>
@@ -1496,7 +1569,7 @@
       </p:sp>
       <p:pic>
         <p:nvPicPr>
-          <p:cNvPr id="5" name="그림 4" descr="scroll01.png"/>
+          <p:cNvPr id="8" name="그림 7" descr="write1.png"/>
           <p:cNvPicPr>
             <a:picLocks noChangeAspect="1"/>
           </p:cNvPicPr>
@@ -1510,8 +1583,8 @@
         </p:blipFill>
         <p:spPr>
           <a:xfrm>
-            <a:off x="214282" y="1500174"/>
-            <a:ext cx="4357718" cy="4766946"/>
+            <a:off x="571472" y="1571612"/>
+            <a:ext cx="7209838" cy="4714908"/>
           </a:xfrm>
           <a:prstGeom prst="rect">
             <a:avLst/>
@@ -1520,7 +1593,7 @@
       </p:pic>
       <p:pic>
         <p:nvPicPr>
-          <p:cNvPr id="6" name="그림 5" descr="scroll02.png"/>
+          <p:cNvPr id="9" name="그림 8" descr="fire1.png"/>
           <p:cNvPicPr>
             <a:picLocks noChangeAspect="1"/>
           </p:cNvPicPr>
@@ -1534,56 +1607,14 @@
         </p:blipFill>
         <p:spPr>
           <a:xfrm>
-            <a:off x="4572000" y="1643050"/>
-            <a:ext cx="4377437" cy="4701894"/>
+            <a:off x="4714876" y="4357694"/>
+            <a:ext cx="3867690" cy="1495634"/>
           </a:xfrm>
           <a:prstGeom prst="rect">
             <a:avLst/>
           </a:prstGeom>
         </p:spPr>
       </p:pic>
-      <p:sp>
-        <p:nvSpPr>
-          <p:cNvPr id="7" name="TextBox 6"/>
-          <p:cNvSpPr txBox="1"/>
-          <p:nvPr/>
-        </p:nvSpPr>
-        <p:spPr>
-          <a:xfrm>
-            <a:off x="357158" y="1142984"/>
-            <a:ext cx="5573962" cy="369332"/>
-          </a:xfrm>
-          <a:prstGeom prst="rect">
-            <a:avLst/>
-          </a:prstGeom>
-          <a:noFill/>
-        </p:spPr>
-        <p:txBody>
-          <a:bodyPr wrap="none" rtlCol="0">
-            <a:spAutoFit/>
-          </a:bodyPr>
-          <a:lstStyle/>
-          <a:p>
-            <a:r>
-              <a:rPr lang="ko-KR" altLang="en-US" dirty="0" smtClean="0"/>
-              <a:t>최신 리스트를 출력</a:t>
-            </a:r>
-            <a:r>
-              <a:rPr lang="en-US" altLang="ko-KR" dirty="0" smtClean="0"/>
-              <a:t>, </a:t>
-            </a:r>
-            <a:r>
-              <a:rPr lang="ko-KR" altLang="en-US" dirty="0" err="1" smtClean="0"/>
-              <a:t>스크롤시</a:t>
-            </a:r>
-            <a:r>
-              <a:rPr lang="ko-KR" altLang="en-US" dirty="0" smtClean="0"/>
-              <a:t> 리스트를 하나씩 로딩</a:t>
-            </a:r>
-            <a:endParaRPr lang="ko-KR" altLang="en-US" dirty="0"/>
-          </a:p>
-        </p:txBody>
-      </p:sp>
     </p:spTree>
   </p:cSld>
   <p:clrMapOvr>
@@ -1662,75 +1693,9 @@
           </a:p>
         </p:txBody>
       </p:sp>
-      <p:sp>
-        <p:nvSpPr>
-          <p:cNvPr id="9" name="TextBox 8"/>
-          <p:cNvSpPr txBox="1"/>
-          <p:nvPr/>
-        </p:nvSpPr>
-        <p:spPr>
-          <a:xfrm>
-            <a:off x="7000892" y="1357298"/>
-            <a:ext cx="1882247" cy="2031325"/>
-          </a:xfrm>
-          <a:prstGeom prst="rect">
-            <a:avLst/>
-          </a:prstGeom>
-          <a:noFill/>
-        </p:spPr>
-        <p:txBody>
-          <a:bodyPr wrap="none" rtlCol="0">
-            <a:spAutoFit/>
-          </a:bodyPr>
-          <a:lstStyle/>
-          <a:p>
-            <a:r>
-              <a:rPr lang="en-US" altLang="ko-KR" dirty="0" smtClean="0"/>
-              <a:t>Index : </a:t>
-            </a:r>
-          </a:p>
-          <a:p>
-            <a:r>
-              <a:rPr lang="ko-KR" altLang="en-US" dirty="0" smtClean="0"/>
-              <a:t>표시하는 메모의</a:t>
-            </a:r>
-            <a:endParaRPr lang="en-US" altLang="ko-KR" dirty="0" smtClean="0"/>
-          </a:p>
-          <a:p>
-            <a:r>
-              <a:rPr lang="ko-KR" altLang="en-US" dirty="0" smtClean="0"/>
-              <a:t>번호</a:t>
-            </a:r>
-            <a:endParaRPr lang="en-US" altLang="ko-KR" dirty="0" smtClean="0"/>
-          </a:p>
-          <a:p>
-            <a:endParaRPr lang="en-US" altLang="ko-KR" dirty="0" smtClean="0"/>
-          </a:p>
-          <a:p>
-            <a:r>
-              <a:rPr lang="en-US" altLang="ko-KR" dirty="0" smtClean="0"/>
-              <a:t>numb :</a:t>
-            </a:r>
-          </a:p>
-          <a:p>
-            <a:r>
-              <a:rPr lang="ko-KR" altLang="en-US" dirty="0" smtClean="0"/>
-              <a:t>현재까지 로딩된</a:t>
-            </a:r>
-            <a:endParaRPr lang="en-US" altLang="ko-KR" dirty="0" smtClean="0"/>
-          </a:p>
-          <a:p>
-            <a:r>
-              <a:rPr lang="ko-KR" altLang="en-US" dirty="0" smtClean="0"/>
-              <a:t>메모의 숫자 </a:t>
-            </a:r>
-            <a:endParaRPr lang="en-US" altLang="ko-KR" dirty="0" smtClean="0"/>
-          </a:p>
-        </p:txBody>
-      </p:sp>
       <p:pic>
         <p:nvPicPr>
-          <p:cNvPr id="10" name="그림 9" descr="initcode.png"/>
+          <p:cNvPr id="5" name="그림 4" descr="scroll01.png"/>
           <p:cNvPicPr>
             <a:picLocks noChangeAspect="1"/>
           </p:cNvPicPr>
@@ -1744,14 +1709,80 @@
         </p:blipFill>
         <p:spPr>
           <a:xfrm>
-            <a:off x="500034" y="1071546"/>
-            <a:ext cx="6495142" cy="5511029"/>
+            <a:off x="214282" y="1500174"/>
+            <a:ext cx="4357718" cy="4766946"/>
           </a:xfrm>
           <a:prstGeom prst="rect">
             <a:avLst/>
           </a:prstGeom>
         </p:spPr>
       </p:pic>
+      <p:pic>
+        <p:nvPicPr>
+          <p:cNvPr id="6" name="그림 5" descr="scroll02.png"/>
+          <p:cNvPicPr>
+            <a:picLocks noChangeAspect="1"/>
+          </p:cNvPicPr>
+          <p:nvPr/>
+        </p:nvPicPr>
+        <p:blipFill>
+          <a:blip r:embed="rId3"/>
+          <a:stretch>
+            <a:fillRect/>
+          </a:stretch>
+        </p:blipFill>
+        <p:spPr>
+          <a:xfrm>
+            <a:off x="4572000" y="1643050"/>
+            <a:ext cx="4377437" cy="4701894"/>
+          </a:xfrm>
+          <a:prstGeom prst="rect">
+            <a:avLst/>
+          </a:prstGeom>
+        </p:spPr>
+      </p:pic>
+      <p:sp>
+        <p:nvSpPr>
+          <p:cNvPr id="7" name="TextBox 6"/>
+          <p:cNvSpPr txBox="1"/>
+          <p:nvPr/>
+        </p:nvSpPr>
+        <p:spPr>
+          <a:xfrm>
+            <a:off x="357158" y="1142984"/>
+            <a:ext cx="5573962" cy="369332"/>
+          </a:xfrm>
+          <a:prstGeom prst="rect">
+            <a:avLst/>
+          </a:prstGeom>
+          <a:noFill/>
+        </p:spPr>
+        <p:txBody>
+          <a:bodyPr wrap="none" rtlCol="0">
+            <a:spAutoFit/>
+          </a:bodyPr>
+          <a:lstStyle/>
+          <a:p>
+            <a:r>
+              <a:rPr lang="ko-KR" altLang="en-US" dirty="0" smtClean="0"/>
+              <a:t>최신 리스트를 출력</a:t>
+            </a:r>
+            <a:r>
+              <a:rPr lang="en-US" altLang="ko-KR" dirty="0" smtClean="0"/>
+              <a:t>, </a:t>
+            </a:r>
+            <a:r>
+              <a:rPr lang="ko-KR" altLang="en-US" dirty="0" err="1" smtClean="0"/>
+              <a:t>스크롤시</a:t>
+            </a:r>
+            <a:r>
+              <a:rPr lang="ko-KR" altLang="en-US" dirty="0" smtClean="0"/>
+              <a:t> 리스트를 하나씩 로딩</a:t>
+            </a:r>
+            <a:endParaRPr lang="ko-KR" altLang="en-US" dirty="0"/>
+          </a:p>
+        </p:txBody>
+      </p:sp>
     </p:spTree>
   </p:cSld>
   <p:clrMapOvr>
@@ -1830,9 +1861,75 @@
           </a:p>
         </p:txBody>
       </p:sp>
+      <p:sp>
+        <p:nvSpPr>
+          <p:cNvPr id="9" name="TextBox 8"/>
+          <p:cNvSpPr txBox="1"/>
+          <p:nvPr/>
+        </p:nvSpPr>
+        <p:spPr>
+          <a:xfrm>
+            <a:off x="7000892" y="1357298"/>
+            <a:ext cx="1882247" cy="2031325"/>
+          </a:xfrm>
+          <a:prstGeom prst="rect">
+            <a:avLst/>
+          </a:prstGeom>
+          <a:noFill/>
+        </p:spPr>
+        <p:txBody>
+          <a:bodyPr wrap="none" rtlCol="0">
+            <a:spAutoFit/>
+          </a:bodyPr>
+          <a:lstStyle/>
+          <a:p>
+            <a:r>
+              <a:rPr lang="en-US" altLang="ko-KR" dirty="0" smtClean="0"/>
+              <a:t>Index : </a:t>
+            </a:r>
+          </a:p>
+          <a:p>
+            <a:r>
+              <a:rPr lang="ko-KR" altLang="en-US" dirty="0" smtClean="0"/>
+              <a:t>표시하는 메모의</a:t>
+            </a:r>
+            <a:endParaRPr lang="en-US" altLang="ko-KR" dirty="0" smtClean="0"/>
+          </a:p>
+          <a:p>
+            <a:r>
+              <a:rPr lang="ko-KR" altLang="en-US" dirty="0" smtClean="0"/>
+              <a:t>번호</a:t>
+            </a:r>
+            <a:endParaRPr lang="en-US" altLang="ko-KR" dirty="0" smtClean="0"/>
+          </a:p>
+          <a:p>
+            <a:endParaRPr lang="en-US" altLang="ko-KR" dirty="0" smtClean="0"/>
+          </a:p>
+          <a:p>
+            <a:r>
+              <a:rPr lang="en-US" altLang="ko-KR" dirty="0" smtClean="0"/>
+              <a:t>numb :</a:t>
+            </a:r>
+          </a:p>
+          <a:p>
+            <a:r>
+              <a:rPr lang="ko-KR" altLang="en-US" dirty="0" smtClean="0"/>
+              <a:t>현재까지 로딩된</a:t>
+            </a:r>
+            <a:endParaRPr lang="en-US" altLang="ko-KR" dirty="0" smtClean="0"/>
+          </a:p>
+          <a:p>
+            <a:r>
+              <a:rPr lang="ko-KR" altLang="en-US" dirty="0" smtClean="0"/>
+              <a:t>메모의 숫자 </a:t>
+            </a:r>
+            <a:endParaRPr lang="en-US" altLang="ko-KR" dirty="0" smtClean="0"/>
+          </a:p>
+        </p:txBody>
+      </p:sp>
       <p:pic>
         <p:nvPicPr>
-          <p:cNvPr id="5" name="그림 4" descr="scrollcode.png"/>
+          <p:cNvPr id="10" name="그림 9" descr="initcode.png"/>
           <p:cNvPicPr>
             <a:picLocks noChangeAspect="1"/>
           </p:cNvPicPr>
@@ -1846,83 +1943,14 @@
         </p:blipFill>
         <p:spPr>
           <a:xfrm>
-            <a:off x="500034" y="1000108"/>
-            <a:ext cx="5936035" cy="4714908"/>
+            <a:off x="500034" y="1071546"/>
+            <a:ext cx="6495142" cy="5511029"/>
           </a:xfrm>
           <a:prstGeom prst="rect">
             <a:avLst/>
           </a:prstGeom>
         </p:spPr>
       </p:pic>
-      <p:sp>
-        <p:nvSpPr>
-          <p:cNvPr id="7" name="TextBox 6"/>
-          <p:cNvSpPr txBox="1"/>
-          <p:nvPr/>
-        </p:nvSpPr>
-        <p:spPr>
-          <a:xfrm>
-            <a:off x="500034" y="5786454"/>
-            <a:ext cx="8464177" cy="646331"/>
-          </a:xfrm>
-          <a:prstGeom prst="rect">
-            <a:avLst/>
-          </a:prstGeom>
-          <a:noFill/>
-        </p:spPr>
-        <p:txBody>
-          <a:bodyPr wrap="none" rtlCol="0">
-            <a:spAutoFit/>
-          </a:bodyPr>
-          <a:lstStyle/>
-          <a:p>
-            <a:r>
-              <a:rPr lang="ko-KR" altLang="en-US" dirty="0" smtClean="0"/>
-              <a:t>메모를 불러올 때마다 </a:t>
-            </a:r>
-            <a:r>
-              <a:rPr lang="en-US" altLang="ko-KR" dirty="0" smtClean="0"/>
-              <a:t>index </a:t>
-            </a:r>
-            <a:r>
-              <a:rPr lang="ko-KR" altLang="en-US" dirty="0" smtClean="0"/>
-              <a:t>값을 감소시켜 최신 작성 순으로 메모를 </a:t>
-            </a:r>
-            <a:r>
-              <a:rPr lang="en-US" altLang="ko-KR" dirty="0" smtClean="0"/>
-              <a:t>1</a:t>
-            </a:r>
-            <a:r>
-              <a:rPr lang="ko-KR" altLang="en-US" dirty="0" smtClean="0"/>
-              <a:t>개씩 로딩</a:t>
-            </a:r>
-            <a:endParaRPr lang="en-US" altLang="ko-KR" dirty="0" smtClean="0"/>
-          </a:p>
-          <a:p>
-            <a:r>
-              <a:rPr lang="en-US" altLang="ko-KR" dirty="0" smtClean="0"/>
-              <a:t>(</a:t>
-            </a:r>
-            <a:r>
-              <a:rPr lang="ko-KR" altLang="en-US" dirty="0" smtClean="0"/>
-              <a:t>가장 오래된 메모의 </a:t>
-            </a:r>
-            <a:r>
-              <a:rPr lang="en-US" altLang="ko-KR" dirty="0" smtClean="0"/>
-              <a:t>index</a:t>
-            </a:r>
-            <a:r>
-              <a:rPr lang="ko-KR" altLang="en-US" dirty="0" smtClean="0"/>
-              <a:t>값이 가장 작다</a:t>
-            </a:r>
-            <a:r>
-              <a:rPr lang="en-US" altLang="ko-KR" dirty="0" smtClean="0"/>
-              <a:t>)</a:t>
-            </a:r>
-            <a:endParaRPr lang="ko-KR" altLang="en-US" dirty="0"/>
-          </a:p>
-        </p:txBody>
-      </p:sp>
     </p:spTree>
   </p:cSld>
   <p:clrMapOvr>
@@ -2001,6 +2029,177 @@
           </a:p>
         </p:txBody>
       </p:sp>
+      <p:pic>
+        <p:nvPicPr>
+          <p:cNvPr id="5" name="그림 4" descr="scrollcode.png"/>
+          <p:cNvPicPr>
+            <a:picLocks noChangeAspect="1"/>
+          </p:cNvPicPr>
+          <p:nvPr/>
+        </p:nvPicPr>
+        <p:blipFill>
+          <a:blip r:embed="rId2"/>
+          <a:stretch>
+            <a:fillRect/>
+          </a:stretch>
+        </p:blipFill>
+        <p:spPr>
+          <a:xfrm>
+            <a:off x="500034" y="1000108"/>
+            <a:ext cx="5936035" cy="4714908"/>
+          </a:xfrm>
+          <a:prstGeom prst="rect">
+            <a:avLst/>
+          </a:prstGeom>
+        </p:spPr>
+      </p:pic>
+      <p:sp>
+        <p:nvSpPr>
+          <p:cNvPr id="7" name="TextBox 6"/>
+          <p:cNvSpPr txBox="1"/>
+          <p:nvPr/>
+        </p:nvSpPr>
+        <p:spPr>
+          <a:xfrm>
+            <a:off x="500034" y="5786454"/>
+            <a:ext cx="8464177" cy="646331"/>
+          </a:xfrm>
+          <a:prstGeom prst="rect">
+            <a:avLst/>
+          </a:prstGeom>
+          <a:noFill/>
+        </p:spPr>
+        <p:txBody>
+          <a:bodyPr wrap="none" rtlCol="0">
+            <a:spAutoFit/>
+          </a:bodyPr>
+          <a:lstStyle/>
+          <a:p>
+            <a:r>
+              <a:rPr lang="ko-KR" altLang="en-US" dirty="0" smtClean="0"/>
+              <a:t>메모를 불러올 때마다 </a:t>
+            </a:r>
+            <a:r>
+              <a:rPr lang="en-US" altLang="ko-KR" dirty="0" smtClean="0"/>
+              <a:t>index </a:t>
+            </a:r>
+            <a:r>
+              <a:rPr lang="ko-KR" altLang="en-US" dirty="0" smtClean="0"/>
+              <a:t>값을 감소시켜 최신 작성 순으로 메모를 </a:t>
+            </a:r>
+            <a:r>
+              <a:rPr lang="en-US" altLang="ko-KR" dirty="0" smtClean="0"/>
+              <a:t>1</a:t>
+            </a:r>
+            <a:r>
+              <a:rPr lang="ko-KR" altLang="en-US" dirty="0" smtClean="0"/>
+              <a:t>개씩 로딩</a:t>
+            </a:r>
+            <a:endParaRPr lang="en-US" altLang="ko-KR" dirty="0" smtClean="0"/>
+          </a:p>
+          <a:p>
+            <a:r>
+              <a:rPr lang="en-US" altLang="ko-KR" dirty="0" smtClean="0"/>
+              <a:t>(</a:t>
+            </a:r>
+            <a:r>
+              <a:rPr lang="ko-KR" altLang="en-US" dirty="0" smtClean="0"/>
+              <a:t>가장 오래된 메모의 </a:t>
+            </a:r>
+            <a:r>
+              <a:rPr lang="en-US" altLang="ko-KR" dirty="0" smtClean="0"/>
+              <a:t>index</a:t>
+            </a:r>
+            <a:r>
+              <a:rPr lang="ko-KR" altLang="en-US" dirty="0" smtClean="0"/>
+              <a:t>값이 가장 작다</a:t>
+            </a:r>
+            <a:r>
+              <a:rPr lang="en-US" altLang="ko-KR" dirty="0" smtClean="0"/>
+              <a:t>)</a:t>
+            </a:r>
+            <a:endParaRPr lang="ko-KR" altLang="en-US" dirty="0"/>
+          </a:p>
+        </p:txBody>
+      </p:sp>
+    </p:spTree>
+  </p:cSld>
+  <p:clrMapOvr>
+    <a:masterClrMapping/>
+  </p:clrMapOvr>
+  <p:timing>
+    <p:tnLst>
+      <p:par>
+        <p:cTn id="1" dur="indefinite" restart="never" nodeType="tmRoot"/>
+      </p:par>
+    </p:tnLst>
+  </p:timing>
+</p:sld>
+</file>
+
+<file path=ppt/slides/slide15.xml><?xml version="1.0" encoding="utf-8"?>
+<p:sld xmlns:a="http://schemas.openxmlformats.org/drawingml/2006/main" xmlns:r="http://schemas.openxmlformats.org/officeDocument/2006/relationships" xmlns:p="http://schemas.openxmlformats.org/presentationml/2006/main">
+  <p:cSld>
+    <p:spTree>
+      <p:nvGrpSpPr>
+        <p:cNvPr id="1" name=""/>
+        <p:cNvGrpSpPr/>
+        <p:nvPr/>
+      </p:nvGrpSpPr>
+      <p:grpSpPr>
+        <a:xfrm>
+          <a:off x="0" y="0"/>
+          <a:ext cx="0" cy="0"/>
+          <a:chOff x="0" y="0"/>
+          <a:chExt cx="0" cy="0"/>
+        </a:xfrm>
+      </p:grpSpPr>
+      <p:sp>
+        <p:nvSpPr>
+          <p:cNvPr id="24" name="TextBox 23"/>
+          <p:cNvSpPr txBox="1"/>
+          <p:nvPr/>
+        </p:nvSpPr>
+        <p:spPr>
+          <a:xfrm>
+            <a:off x="312472" y="323945"/>
+            <a:ext cx="4055919" cy="707886"/>
+          </a:xfrm>
+          <a:prstGeom prst="rect">
+            <a:avLst/>
+          </a:prstGeom>
+          <a:noFill/>
+        </p:spPr>
+        <p:txBody>
+          <a:bodyPr wrap="none" rtlCol="0">
+            <a:spAutoFit/>
+          </a:bodyPr>
+          <a:lstStyle/>
+          <a:p>
+            <a:r>
+              <a:rPr lang="en-US" altLang="ko-KR" sz="4000" b="1" dirty="0" smtClean="0">
+                <a:solidFill>
+                  <a:srgbClr val="004593"/>
+                </a:solidFill>
+              </a:rPr>
+              <a:t>2. </a:t>
+            </a:r>
+            <a:r>
+              <a:rPr lang="ko-KR" altLang="en-US" sz="4000" b="1" dirty="0" smtClean="0">
+                <a:solidFill>
+                  <a:srgbClr val="004593"/>
+                </a:solidFill>
+              </a:rPr>
+              <a:t>다이어리 기능</a:t>
+            </a:r>
+            <a:endParaRPr lang="ko-KR" altLang="en-US" sz="4000" b="1" dirty="0">
+              <a:solidFill>
+                <a:srgbClr val="004593"/>
+              </a:solidFill>
+            </a:endParaRPr>
+          </a:p>
+        </p:txBody>
+      </p:sp>
       <p:sp>
         <p:nvSpPr>
           <p:cNvPr id="4" name="TextBox 3"/>
@@ -2070,7 +2269,7 @@
 </p:sld>
 </file>
 
-<file path=ppt/slides/slide15.xml><?xml version="1.0" encoding="utf-8"?>
+<file path=ppt/slides/slide16.xml><?xml version="1.0" encoding="utf-8"?>
 <p:sld xmlns:a="http://schemas.openxmlformats.org/drawingml/2006/main" xmlns:r="http://schemas.openxmlformats.org/officeDocument/2006/relationships" xmlns:p="http://schemas.openxmlformats.org/presentationml/2006/main">
   <p:cSld>
     <p:spTree>
@@ -3546,7 +3745,7 @@
       </p:grpSpPr>
       <p:sp>
         <p:nvSpPr>
-          <p:cNvPr id="24" name="TextBox 23"/>
+          <p:cNvPr id="6" name="TextBox 5"/>
           <p:cNvSpPr txBox="1"/>
           <p:nvPr/>
         </p:nvSpPr>
@@ -3572,7 +3771,7 @@
                   <a:srgbClr val="004593"/>
                 </a:solidFill>
               </a:rPr>
-              <a:t>2. </a:t>
+              <a:t>1. </a:t>
             </a:r>
             <a:r>
               <a:rPr lang="ko-KR" altLang="en-US" sz="4000" b="1" dirty="0" smtClean="0">
@@ -3580,7 +3779,7 @@
                   <a:srgbClr val="004593"/>
                 </a:solidFill>
               </a:rPr>
-              <a:t>다이어리 기능</a:t>
+              <a:t>레이아웃 구성</a:t>
             </a:r>
             <a:endParaRPr lang="ko-KR" altLang="en-US" sz="4000" b="1" dirty="0">
               <a:solidFill>
@@ -3590,61 +3789,9 @@
           </a:p>
         </p:txBody>
       </p:sp>
-      <p:sp>
-        <p:nvSpPr>
-          <p:cNvPr id="50" name="TextBox 49"/>
-          <p:cNvSpPr txBox="1"/>
-          <p:nvPr/>
-        </p:nvSpPr>
-        <p:spPr>
-          <a:xfrm>
-            <a:off x="571472" y="1142984"/>
-            <a:ext cx="4071966" cy="1477328"/>
-          </a:xfrm>
-          <a:prstGeom prst="rect">
-            <a:avLst/>
-          </a:prstGeom>
-          <a:noFill/>
-        </p:spPr>
-        <p:txBody>
-          <a:bodyPr wrap="square" rtlCol="0">
-            <a:spAutoFit/>
-          </a:bodyPr>
-          <a:lstStyle/>
-          <a:p>
-            <a:r>
-              <a:rPr lang="en-US" altLang="ko-KR" dirty="0" smtClean="0"/>
-              <a:t>CK Editor</a:t>
-            </a:r>
-          </a:p>
-          <a:p>
-            <a:endParaRPr lang="en-US" altLang="ko-KR" dirty="0" smtClean="0"/>
-          </a:p>
-          <a:p>
-            <a:r>
-              <a:rPr lang="en-US" altLang="ko-KR" dirty="0" smtClean="0"/>
-              <a:t>WYSIWYG</a:t>
-            </a:r>
-            <a:r>
-              <a:rPr lang="ko-KR" altLang="en-US" dirty="0" smtClean="0"/>
-              <a:t>에디터</a:t>
-            </a:r>
-            <a:endParaRPr lang="en-US" altLang="ko-KR" dirty="0" smtClean="0"/>
-          </a:p>
-          <a:p>
-            <a:r>
-              <a:rPr lang="en-US" altLang="ko-KR" dirty="0" smtClean="0"/>
-              <a:t>(What You See Is What You Get)</a:t>
-            </a:r>
-          </a:p>
-          <a:p>
-            <a:endParaRPr lang="ko-KR" altLang="en-US" dirty="0"/>
-          </a:p>
-        </p:txBody>
-      </p:sp>
       <p:pic>
         <p:nvPicPr>
-          <p:cNvPr id="53" name="그림 52" descr="ckeditor.png"/>
+          <p:cNvPr id="9" name="그림 8" descr="com.png"/>
           <p:cNvPicPr>
             <a:picLocks noChangeAspect="1"/>
           </p:cNvPicPr>
@@ -3658,14 +3805,50 @@
         </p:blipFill>
         <p:spPr>
           <a:xfrm>
-            <a:off x="571472" y="2643182"/>
-            <a:ext cx="5929354" cy="3892553"/>
+            <a:off x="785786" y="2000240"/>
+            <a:ext cx="6740067" cy="4139011"/>
           </a:xfrm>
           <a:prstGeom prst="rect">
             <a:avLst/>
           </a:prstGeom>
         </p:spPr>
       </p:pic>
+      <p:sp>
+        <p:nvSpPr>
+          <p:cNvPr id="10" name="TextBox 9"/>
+          <p:cNvSpPr txBox="1"/>
+          <p:nvPr/>
+        </p:nvSpPr>
+        <p:spPr>
+          <a:xfrm>
+            <a:off x="571472" y="1428736"/>
+            <a:ext cx="6381555" cy="646331"/>
+          </a:xfrm>
+          <a:prstGeom prst="rect">
+            <a:avLst/>
+          </a:prstGeom>
+          <a:noFill/>
+        </p:spPr>
+        <p:txBody>
+          <a:bodyPr wrap="none" rtlCol="0">
+            <a:spAutoFit/>
+          </a:bodyPr>
+          <a:lstStyle/>
+          <a:p>
+            <a:r>
+              <a:rPr lang="ko-KR" altLang="en-US" dirty="0" smtClean="0"/>
+              <a:t>부트스트랩이 지원하는 컴포넌트를 이용</a:t>
+            </a:r>
+            <a:r>
+              <a:rPr lang="en-US" altLang="ko-KR" dirty="0" smtClean="0"/>
+              <a:t>(ex. Panel, button…)</a:t>
+            </a:r>
+          </a:p>
+          <a:p>
+            <a:endParaRPr lang="ko-KR" altLang="en-US" dirty="0"/>
+          </a:p>
+        </p:txBody>
+      </p:sp>
     </p:spTree>
   </p:cSld>
   <p:clrMapOvr>
@@ -3744,9 +3927,61 @@
           </a:p>
         </p:txBody>
       </p:sp>
+      <p:sp>
+        <p:nvSpPr>
+          <p:cNvPr id="50" name="TextBox 49"/>
+          <p:cNvSpPr txBox="1"/>
+          <p:nvPr/>
+        </p:nvSpPr>
+        <p:spPr>
+          <a:xfrm>
+            <a:off x="571472" y="1142984"/>
+            <a:ext cx="4071966" cy="1477328"/>
+          </a:xfrm>
+          <a:prstGeom prst="rect">
+            <a:avLst/>
+          </a:prstGeom>
+          <a:noFill/>
+        </p:spPr>
+        <p:txBody>
+          <a:bodyPr wrap="square" rtlCol="0">
+            <a:spAutoFit/>
+          </a:bodyPr>
+          <a:lstStyle/>
+          <a:p>
+            <a:r>
+              <a:rPr lang="en-US" altLang="ko-KR" dirty="0" smtClean="0"/>
+              <a:t>CK Editor</a:t>
+            </a:r>
+          </a:p>
+          <a:p>
+            <a:endParaRPr lang="en-US" altLang="ko-KR" dirty="0" smtClean="0"/>
+          </a:p>
+          <a:p>
+            <a:r>
+              <a:rPr lang="en-US" altLang="ko-KR" dirty="0" smtClean="0"/>
+              <a:t>WYSIWYG</a:t>
+            </a:r>
+            <a:r>
+              <a:rPr lang="ko-KR" altLang="en-US" dirty="0" smtClean="0"/>
+              <a:t>에디터</a:t>
+            </a:r>
+            <a:endParaRPr lang="en-US" altLang="ko-KR" dirty="0" smtClean="0"/>
+          </a:p>
+          <a:p>
+            <a:r>
+              <a:rPr lang="en-US" altLang="ko-KR" dirty="0" smtClean="0"/>
+              <a:t>(What You See Is What You Get)</a:t>
+            </a:r>
+          </a:p>
+          <a:p>
+            <a:endParaRPr lang="ko-KR" altLang="en-US" dirty="0"/>
+          </a:p>
+        </p:txBody>
+      </p:sp>
       <p:pic>
         <p:nvPicPr>
-          <p:cNvPr id="8" name="그림 7" descr="editor01.png"/>
+          <p:cNvPr id="53" name="그림 52" descr="ckeditor.png"/>
           <p:cNvPicPr>
             <a:picLocks noChangeAspect="1"/>
           </p:cNvPicPr>
@@ -3760,56 +3995,8 @@
         </p:blipFill>
         <p:spPr>
           <a:xfrm>
-            <a:off x="428596" y="1071546"/>
-            <a:ext cx="5786478" cy="432243"/>
-          </a:xfrm>
-          <a:prstGeom prst="rect">
-            <a:avLst/>
-          </a:prstGeom>
-        </p:spPr>
-      </p:pic>
-      <p:pic>
-        <p:nvPicPr>
-          <p:cNvPr id="9" name="그림 8" descr="editor02.png"/>
-          <p:cNvPicPr>
-            <a:picLocks noChangeAspect="1"/>
-          </p:cNvPicPr>
-          <p:nvPr/>
-        </p:nvPicPr>
-        <p:blipFill>
-          <a:blip r:embed="rId3"/>
-          <a:stretch>
-            <a:fillRect/>
-          </a:stretch>
-        </p:blipFill>
-        <p:spPr>
-          <a:xfrm>
-            <a:off x="428597" y="1571612"/>
-            <a:ext cx="5786477" cy="749838"/>
-          </a:xfrm>
-          <a:prstGeom prst="rect">
-            <a:avLst/>
-          </a:prstGeom>
-        </p:spPr>
-      </p:pic>
-      <p:pic>
-        <p:nvPicPr>
-          <p:cNvPr id="10" name="그림 9" descr="edit.png"/>
-          <p:cNvPicPr>
-            <a:picLocks noChangeAspect="1"/>
-          </p:cNvPicPr>
-          <p:nvPr/>
-        </p:nvPicPr>
-        <p:blipFill>
-          <a:blip r:embed="rId4"/>
-          <a:stretch>
-            <a:fillRect/>
-          </a:stretch>
-        </p:blipFill>
-        <p:spPr>
-          <a:xfrm>
-            <a:off x="500034" y="2500306"/>
-            <a:ext cx="7425386" cy="3995865"/>
+            <a:off x="571472" y="2643182"/>
+            <a:ext cx="5929354" cy="3892553"/>
           </a:xfrm>
           <a:prstGeom prst="rect">
             <a:avLst/>
@@ -3896,7 +4083,7 @@
       </p:sp>
       <p:pic>
         <p:nvPicPr>
-          <p:cNvPr id="6" name="그림 5" descr="writet.png"/>
+          <p:cNvPr id="8" name="그림 7" descr="editor01.png"/>
           <p:cNvPicPr>
             <a:picLocks noChangeAspect="1"/>
           </p:cNvPicPr>
@@ -3910,8 +4097,8 @@
         </p:blipFill>
         <p:spPr>
           <a:xfrm>
-            <a:off x="500034" y="1785926"/>
-            <a:ext cx="3267531" cy="4563112"/>
+            <a:off x="428596" y="1071546"/>
+            <a:ext cx="5786478" cy="432243"/>
           </a:xfrm>
           <a:prstGeom prst="rect">
             <a:avLst/>
@@ -3920,7 +4107,7 @@
       </p:pic>
       <p:pic>
         <p:nvPicPr>
-          <p:cNvPr id="7" name="그림 6" descr="db1.png"/>
+          <p:cNvPr id="9" name="그림 8" descr="editor02.png"/>
           <p:cNvPicPr>
             <a:picLocks noChangeAspect="1"/>
           </p:cNvPicPr>
@@ -3934,86 +4121,38 @@
         </p:blipFill>
         <p:spPr>
           <a:xfrm>
-            <a:off x="5072066" y="2285992"/>
-            <a:ext cx="3877216" cy="3534269"/>
+            <a:off x="428597" y="1571612"/>
+            <a:ext cx="5786477" cy="749838"/>
           </a:xfrm>
           <a:prstGeom prst="rect">
             <a:avLst/>
           </a:prstGeom>
         </p:spPr>
       </p:pic>
-      <p:sp>
-        <p:nvSpPr>
-          <p:cNvPr id="11" name="TextBox 10"/>
-          <p:cNvSpPr txBox="1"/>
-          <p:nvPr/>
-        </p:nvSpPr>
-        <p:spPr>
-          <a:xfrm>
-            <a:off x="571472" y="1285860"/>
-            <a:ext cx="4946547" cy="369332"/>
-          </a:xfrm>
-          <a:prstGeom prst="rect">
-            <a:avLst/>
-          </a:prstGeom>
-          <a:noFill/>
-        </p:spPr>
-        <p:txBody>
-          <a:bodyPr wrap="none" rtlCol="0">
-            <a:spAutoFit/>
-          </a:bodyPr>
-          <a:lstStyle/>
-          <a:p>
-            <a:r>
-              <a:rPr lang="en-US" altLang="ko-KR" dirty="0" smtClean="0"/>
-              <a:t>Editor</a:t>
-            </a:r>
-            <a:r>
-              <a:rPr lang="ko-KR" altLang="en-US" dirty="0" smtClean="0"/>
-              <a:t>의 </a:t>
-            </a:r>
-            <a:r>
-              <a:rPr lang="en-US" altLang="ko-KR" dirty="0" smtClean="0"/>
-              <a:t>write</a:t>
-            </a:r>
-            <a:r>
-              <a:rPr lang="ko-KR" altLang="en-US" dirty="0" smtClean="0"/>
-              <a:t>버튼을 눌렀을 때 다이어리 저장</a:t>
-            </a:r>
-            <a:endParaRPr lang="ko-KR" altLang="en-US" dirty="0"/>
-          </a:p>
-        </p:txBody>
-      </p:sp>
-      <p:sp>
-        <p:nvSpPr>
-          <p:cNvPr id="12" name="TextBox 11"/>
-          <p:cNvSpPr txBox="1"/>
-          <p:nvPr/>
-        </p:nvSpPr>
-        <p:spPr>
-          <a:xfrm>
-            <a:off x="4286248" y="3429000"/>
-            <a:ext cx="1071570" cy="461665"/>
-          </a:xfrm>
-          <a:prstGeom prst="rect">
-            <a:avLst/>
-          </a:prstGeom>
-          <a:noFill/>
-        </p:spPr>
-        <p:txBody>
-          <a:bodyPr wrap="square" rtlCol="0">
-            <a:spAutoFit/>
-          </a:bodyPr>
-          <a:lstStyle/>
-          <a:p>
-            <a:r>
-              <a:rPr lang="en-US" altLang="ko-KR" sz="2400" dirty="0" smtClean="0"/>
-              <a:t>&gt;&gt;</a:t>
-            </a:r>
-            <a:endParaRPr lang="ko-KR" altLang="en-US" sz="2400" dirty="0"/>
-          </a:p>
-        </p:txBody>
-      </p:sp>
+      <p:pic>
+        <p:nvPicPr>
+          <p:cNvPr id="10" name="그림 9" descr="edit.png"/>
+          <p:cNvPicPr>
+            <a:picLocks noChangeAspect="1"/>
+          </p:cNvPicPr>
+          <p:nvPr/>
+        </p:nvPicPr>
+        <p:blipFill>
+          <a:blip r:embed="rId4"/>
+          <a:stretch>
+            <a:fillRect/>
+          </a:stretch>
+        </p:blipFill>
+        <p:spPr>
+          <a:xfrm>
+            <a:off x="500034" y="2500306"/>
+            <a:ext cx="7425386" cy="3995865"/>
+          </a:xfrm>
+          <a:prstGeom prst="rect">
+            <a:avLst/>
+          </a:prstGeom>
+        </p:spPr>
+      </p:pic>
     </p:spTree>
   </p:cSld>
   <p:clrMapOvr>
